--- a/docs/presentations/Hands on Python Day 02.pptx
+++ b/docs/presentations/Hands on Python Day 02.pptx
@@ -387,7 +387,31 @@
           <a:p>
             <a:r>
               <a:rPr lang="el-GR" dirty="0"/>
-              <a:t>Εάν ναι, πρέπει να σηκωθείτε και να ντυθείτε και να ετοιμαστείτε για εργασία ή σχολείο. Εάν όχι, μπορείτε να κοιμηθείτε λίγο περισσότερο και να πιάσετε μερικά επιπλέον Ζ. Αλλά δυστυχώς, είναι μια μέρα της εβδομάδας, οπότε είστε επάνω και ντυμένοι και πηγαίνετε να κοιτάξετε έξω, "Πώς είναι ο καιρός; Χρειάζομαι μια ομπρέλα; "</a:t>
+              <a:t>Εάν ναι, πρέπει να σηκωθείτε και να ντυθείτε και να ετοιμαστείτε για εργασία ή σχολείο. </a:t>
+            </a:r>
+            <a:endParaRPr lang="en-US" dirty="0"/>
+          </a:p>
+          <a:p>
+            <a:r>
+              <a:rPr lang="el-GR" dirty="0"/>
+              <a:t>Εάν όχι, μπορείτε να κοιμηθείτε λίγο περισσότερο και να πιάσετε μερικά επιπλέον Ζ. </a:t>
+            </a:r>
+            <a:endParaRPr lang="en-US" dirty="0"/>
+          </a:p>
+          <a:p>
+            <a:r>
+              <a:rPr lang="el-GR" dirty="0"/>
+              <a:t>Αλλά δυστυχώς, είναι μια μέρα της εβδομάδας, οπότε είστε επάνω και ντυμένοι και πηγαίνετε να κοιτάξετε έξω,</a:t>
+            </a:r>
+            <a:endParaRPr lang="en-US" dirty="0"/>
+          </a:p>
+          <a:p>
+            <a:endParaRPr lang="en-US" dirty="0"/>
+          </a:p>
+          <a:p>
+            <a:r>
+              <a:rPr lang="el-GR" dirty="0"/>
+              <a:t> "Πώς είναι ο καιρός; Χρειάζομαι μια ομπρέλα; "</a:t>
             </a:r>
           </a:p>
           <a:p>
@@ -396,32 +420,29 @@
           <a:p>
             <a:r>
               <a:rPr lang="el-GR" dirty="0"/>
-              <a:t>Αυτές οι ερωτήσεις και οι αποφάσεις ελέγχουν τη ροή του πρωινού σας, κάθε βήμα και το αποτέλεσμα είναι προϊόν των συνθηκών της ημέρας και του περιβάλλοντός σας. Ο υπολογιστής σας, όπως και εσείς, περνά από μια παρόμοια ροή κάθε φορά που εκτελεί κώδικα. Ένα πρόγραμμα θα εκτελεστεί (ξυπνήστε) και θα αρχίσει να κινείται μέσω των λιστών ελέγχου του, </a:t>
-            </a:r>
-            <a:r>
-              <a:rPr lang="el-GR" dirty="0" err="1"/>
-              <a:t>πληρούται</a:t>
+              <a:t>Αυτές οι ερωτήσεις και οι αποφάσεις ελέγχουν τη ροή του πρωινού σας</a:t>
+            </a:r>
+            <a:r>
+              <a:rPr lang="en-US" dirty="0"/>
+              <a:t>.</a:t>
             </a:r>
             <a:r>
               <a:rPr lang="el-GR" dirty="0"/>
-              <a:t> αυτή η συνθήκη, </a:t>
-            </a:r>
-            <a:r>
-              <a:rPr lang="el-GR" dirty="0" err="1"/>
-              <a:t>πληρούται</a:t>
-            </a:r>
+              <a:t>. Ο υπολογιστής σας, όπως και εσείς, περνά από μια παρόμοια ροή κάθε φορά που εκτελεί κώδικα. Ένα πρόγραμμα θα εκτελεστεί  και θα αρχίσει να κινείται μέσω των λιστών ελέγχου του</a:t>
+            </a:r>
+            <a:r>
+              <a:rPr lang="en-US" dirty="0"/>
+              <a:t>.</a:t>
+            </a:r>
+            <a:endParaRPr lang="el-GR" dirty="0"/>
+          </a:p>
+          <a:p>
+            <a:endParaRPr lang="el-GR" dirty="0"/>
+          </a:p>
+          <a:p>
             <a:r>
               <a:rPr lang="el-GR" dirty="0"/>
-              <a:t> αυτή η συνθήκη, εντάξει ας εκτελέσουμε αυτόν τον κώδικα και επιστρέψουμε αυτήν την τιμή.</a:t>
-            </a:r>
-          </a:p>
-          <a:p>
-            <a:endParaRPr lang="el-GR" dirty="0"/>
-          </a:p>
-          <a:p>
-            <a:r>
-              <a:rPr lang="el-GR" dirty="0"/>
-              <a:t>Αυτή είναι η ροή ελέγχου του προγράμματος σας. Στο </a:t>
+              <a:t>Αυτή είναι η ροή ελέγχου του προγράμματος σας. Στην </a:t>
             </a:r>
             <a:r>
               <a:rPr lang="en" dirty="0"/>
@@ -429,7 +450,16 @@
             </a:r>
             <a:r>
               <a:rPr lang="el-GR" dirty="0"/>
-              <a:t>το σενάριό σας θα εκτελεστεί από πάνω προς τα κάτω, έως ότου δεν υπάρχει τίποτα να τρέξει. Είναι δική σας δουλειά να συμπεριλάβετε πύλες, γνωστές ως δηλώσεις υπό όρους, να πείτε στον υπολογιστή πότε πρέπει να εκτελεί συγκεκριμένα τμήματα κώδικα. Εάν πληρούνται αυτές οι προϋποθέσεις, εκτελέστε αυτήν τη λειτουργία.</a:t>
+              <a:t>το σενάριό σας θα εκτελεστεί από πάνω προς τα κάτω, έως ότου δεν υπάρχει τίποτα να τρέξει. Είναι δική σας δουλειά να συμπεριλάβετε πύλες, γνωστές ως δηλώσεις υπό όρους, να πείτε στον υπολογιστή πότε πρέπει να εκτελεί συγκεκριμένα τμήματα κώδικα.</a:t>
+            </a:r>
+          </a:p>
+          <a:p>
+            <a:endParaRPr lang="el-GR" dirty="0"/>
+          </a:p>
+          <a:p>
+            <a:r>
+              <a:rPr lang="el-GR" dirty="0"/>
+              <a:t>Εάν πληρούνται αυτές οι προϋποθέσεις, εκτελέστε αυτήν τη λειτουργία.</a:t>
             </a:r>
           </a:p>
           <a:p>
@@ -525,7 +555,316 @@
                 <a:sym typeface="Avenir Next Regular"/>
               </a:defRPr>
             </a:pPr>
-            <a:endParaRPr lang="en" sz="2000" dirty="0"/>
+            <a:r>
+              <a:rPr lang="el-GR" sz="2000" b="0" dirty="0"/>
+              <a:t>Προκειμένου να ενσωματωθεί η ροή ελέγχου στο πρόγραμμά μας, θέλουμε να είμαστε σε θέση να ελέγξουμε εάν κάτι είναι αλήθεια ή όχι. Μια δυαδική έκφραση είναι μια δήλωση που μπορεί να είναι είτε </a:t>
+            </a:r>
+            <a:r>
+              <a:rPr lang="en" sz="2000" b="0" dirty="0"/>
+              <a:t>True </a:t>
+            </a:r>
+            <a:r>
+              <a:rPr lang="el-GR" sz="2000" b="0" dirty="0"/>
+              <a:t>είτε </a:t>
+            </a:r>
+            <a:r>
+              <a:rPr lang="en" sz="2000" b="0" dirty="0"/>
+              <a:t>False.</a:t>
+            </a:r>
+          </a:p>
+          <a:p>
+            <a:pPr marL="0" indent="0" algn="l">
+              <a:buClr>
+                <a:srgbClr val="000000"/>
+              </a:buClr>
+              <a:buSzPct val="60000"/>
+              <a:buNone/>
+              <a:defRPr sz="5000" b="1">
+                <a:solidFill>
+                  <a:schemeClr val="accent2">
+                    <a:hueOff val="597264"/>
+                    <a:satOff val="5158"/>
+                    <a:lumOff val="-17289"/>
+                  </a:schemeClr>
+                </a:solidFill>
+                <a:latin typeface="Avenir Next Regular"/>
+                <a:ea typeface="Avenir Next Regular"/>
+                <a:cs typeface="Avenir Next Regular"/>
+                <a:sym typeface="Avenir Next Regular"/>
+              </a:defRPr>
+            </a:pPr>
+            <a:endParaRPr lang="en" sz="2000" b="0" dirty="0"/>
+          </a:p>
+          <a:p>
+            <a:pPr marL="0" indent="0" algn="l">
+              <a:buClr>
+                <a:srgbClr val="000000"/>
+              </a:buClr>
+              <a:buSzPct val="60000"/>
+              <a:buNone/>
+              <a:defRPr sz="5000" b="1">
+                <a:solidFill>
+                  <a:schemeClr val="accent2">
+                    <a:hueOff val="597264"/>
+                    <a:satOff val="5158"/>
+                    <a:lumOff val="-17289"/>
+                  </a:schemeClr>
+                </a:solidFill>
+                <a:latin typeface="Avenir Next Regular"/>
+                <a:ea typeface="Avenir Next Regular"/>
+                <a:cs typeface="Avenir Next Regular"/>
+                <a:sym typeface="Avenir Next Regular"/>
+              </a:defRPr>
+            </a:pPr>
+            <a:r>
+              <a:rPr lang="el-GR" sz="2000" b="0" dirty="0"/>
+              <a:t>Ας επιστρέψουμε </a:t>
+            </a:r>
+            <a:r>
+              <a:rPr lang="el-GR" sz="2000" b="0"/>
+              <a:t>στο παράδειγμα, Η </a:t>
+            </a:r>
+            <a:r>
+              <a:rPr lang="el-GR" sz="2000" b="0" dirty="0"/>
+              <a:t>πρώτη ερώτηση, "Είναι σήμερα μια καθημερινή;" μπορεί να γραφτεί ως δυαδική</a:t>
+            </a:r>
+            <a:r>
+              <a:rPr lang="en" sz="2000" b="0" dirty="0"/>
+              <a:t> </a:t>
+            </a:r>
+            <a:r>
+              <a:rPr lang="el-GR" sz="2000" b="0" dirty="0"/>
+              <a:t>έκφραση:</a:t>
+            </a:r>
+            <a:endParaRPr lang="en-US" sz="2000" b="0" dirty="0"/>
+          </a:p>
+          <a:p>
+            <a:pPr marL="0" indent="0" algn="l">
+              <a:buClr>
+                <a:srgbClr val="000000"/>
+              </a:buClr>
+              <a:buSzPct val="60000"/>
+              <a:buNone/>
+              <a:defRPr sz="5000" b="1">
+                <a:solidFill>
+                  <a:schemeClr val="accent2">
+                    <a:hueOff val="597264"/>
+                    <a:satOff val="5158"/>
+                    <a:lumOff val="-17289"/>
+                  </a:schemeClr>
+                </a:solidFill>
+                <a:latin typeface="Avenir Next Regular"/>
+                <a:ea typeface="Avenir Next Regular"/>
+                <a:cs typeface="Avenir Next Regular"/>
+                <a:sym typeface="Avenir Next Regular"/>
+              </a:defRPr>
+            </a:pPr>
+            <a:endParaRPr lang="en-US" sz="2000" b="0" dirty="0"/>
+          </a:p>
+          <a:p>
+            <a:pPr marL="0" marR="0" lvl="0" indent="0" algn="l" defTabSz="457200" eaLnBrk="1" fontAlgn="auto" latinLnBrk="0" hangingPunct="1">
+              <a:lnSpc>
+                <a:spcPct val="117999"/>
+              </a:lnSpc>
+              <a:spcBef>
+                <a:spcPts val="0"/>
+              </a:spcBef>
+              <a:spcAft>
+                <a:spcPts val="0"/>
+              </a:spcAft>
+              <a:buClr>
+                <a:srgbClr val="000000"/>
+              </a:buClr>
+              <a:buSzPct val="60000"/>
+              <a:buFontTx/>
+              <a:buNone/>
+              <a:tabLst/>
+              <a:defRPr sz="5000" b="1">
+                <a:solidFill>
+                  <a:schemeClr val="accent2">
+                    <a:hueOff val="597264"/>
+                    <a:satOff val="5158"/>
+                    <a:lumOff val="-17289"/>
+                  </a:schemeClr>
+                </a:solidFill>
+                <a:latin typeface="Avenir Next Regular"/>
+                <a:ea typeface="Avenir Next Regular"/>
+                <a:cs typeface="Avenir Next Regular"/>
+                <a:sym typeface="Avenir Next Regular"/>
+              </a:defRPr>
+            </a:pPr>
+            <a:r>
+              <a:rPr lang="en" sz="2000" b="0" i="0" u="none" strike="noStrike" dirty="0">
+                <a:effectLst/>
+                <a:latin typeface="Helvetica Neue"/>
+                <a:ea typeface="Helvetica Neue"/>
+                <a:cs typeface="Helvetica Neue"/>
+                <a:sym typeface="Avenir Next Regular"/>
+              </a:rPr>
+              <a:t>"</a:t>
+            </a:r>
+            <a:r>
+              <a:rPr lang="el-GR" sz="2000" b="0" i="0" u="none" strike="noStrike" dirty="0">
+                <a:effectLst/>
+                <a:latin typeface="Helvetica Neue"/>
+                <a:ea typeface="Helvetica Neue"/>
+                <a:cs typeface="Helvetica Neue"/>
+                <a:sym typeface="Avenir Next Regular"/>
+              </a:rPr>
+              <a:t>Σήμερα είναι μια καθημερινή ημέρα:"</a:t>
+            </a:r>
+            <a:endParaRPr lang="en" sz="900" b="0" dirty="0"/>
+          </a:p>
+          <a:p>
+            <a:endParaRPr lang="en-US" sz="2200" b="0" i="0" u="none" strike="noStrike" dirty="0">
+              <a:effectLst/>
+              <a:latin typeface="Helvetica Neue"/>
+              <a:ea typeface="Helvetica Neue"/>
+              <a:cs typeface="Helvetica Neue"/>
+              <a:sym typeface="Helvetica Neue"/>
+            </a:endParaRPr>
+          </a:p>
+          <a:p>
+            <a:r>
+              <a:rPr lang="el-GR" sz="2200" b="0" i="0" u="none" strike="noStrike" dirty="0">
+                <a:effectLst/>
+                <a:latin typeface="Helvetica Neue"/>
+                <a:ea typeface="Helvetica Neue"/>
+                <a:cs typeface="Helvetica Neue"/>
+                <a:sym typeface="Helvetica Neue"/>
+              </a:rPr>
+              <a:t>Αυτή η έκφραση μπορεί να είναι αληθινή αν σήμερα είναι Τρίτη ή μπορεί να είναι λάθος αν σήμερα είναι Σάββατο. Δεν υπάρχουν άλλες επιλογές.</a:t>
+            </a:r>
+          </a:p>
+          <a:p>
+            <a:endParaRPr lang="el-GR" sz="2200" b="0" i="0" u="none" strike="noStrike" dirty="0">
+              <a:effectLst/>
+              <a:latin typeface="Helvetica Neue"/>
+              <a:ea typeface="Helvetica Neue"/>
+              <a:cs typeface="Helvetica Neue"/>
+              <a:sym typeface="Helvetica Neue"/>
+            </a:endParaRPr>
+          </a:p>
+          <a:p>
+            <a:r>
+              <a:rPr lang="el-GR" sz="2200" b="0" i="0" u="none" strike="noStrike" dirty="0">
+                <a:effectLst/>
+                <a:latin typeface="Helvetica Neue"/>
+                <a:ea typeface="Helvetica Neue"/>
+                <a:cs typeface="Helvetica Neue"/>
+                <a:sym typeface="Helvetica Neue"/>
+              </a:rPr>
+              <a:t>Εξετάστε τη φράση:</a:t>
+            </a:r>
+          </a:p>
+          <a:p>
+            <a:r>
+              <a:rPr lang="el-GR" sz="2200" b="0" i="0" u="none" strike="noStrike" dirty="0">
+                <a:effectLst/>
+                <a:latin typeface="Helvetica Neue"/>
+                <a:ea typeface="Helvetica Neue"/>
+                <a:cs typeface="Helvetica Neue"/>
+                <a:sym typeface="Helvetica Neue"/>
+              </a:rPr>
+              <a:t>"Η Παρασκευή είναι η καλύτερη ημέρα της εβδομάδας."</a:t>
+            </a:r>
+          </a:p>
+          <a:p>
+            <a:endParaRPr lang="el-GR" sz="2200" b="0" i="0" u="none" strike="noStrike" dirty="0">
+              <a:effectLst/>
+              <a:latin typeface="Helvetica Neue"/>
+              <a:ea typeface="Helvetica Neue"/>
+              <a:cs typeface="Helvetica Neue"/>
+              <a:sym typeface="Helvetica Neue"/>
+            </a:endParaRPr>
+          </a:p>
+          <a:p>
+            <a:r>
+              <a:rPr lang="el-GR" sz="2000" b="0" dirty="0"/>
+              <a:t>Αυτή είναι μια δυαδική έκφραση;</a:t>
+            </a:r>
+          </a:p>
+          <a:p>
+            <a:endParaRPr lang="el-GR" sz="2000" b="0" dirty="0"/>
+          </a:p>
+          <a:p>
+            <a:r>
+              <a:rPr lang="el-GR" sz="2000" b="0" dirty="0"/>
+              <a:t>Όχι, αυτή η δήλωση είναι γνώμη και δεν είναι αντικειμενικά Αληθινή ή Λάθος. Κάποιος άλλος μπορεί να πει ότι «η Τετάρτη είναι η καλύτερη ημέρα της εβδομάδας» και η δήλωσή τους δεν θα ήταν λιγότερο Αληθινή ή Λάθος από την παραπάνω.</a:t>
+            </a:r>
+          </a:p>
+          <a:p>
+            <a:endParaRPr lang="el-GR" sz="2000" b="0" dirty="0"/>
+          </a:p>
+          <a:p>
+            <a:r>
+              <a:rPr lang="el-GR" sz="2000" b="0" dirty="0"/>
+              <a:t>Τι γίνεται με τη φράση:</a:t>
+            </a:r>
+          </a:p>
+          <a:p>
+            <a:endParaRPr lang="el-GR" sz="2000" b="0" dirty="0"/>
+          </a:p>
+          <a:p>
+            <a:r>
+              <a:rPr lang="el-GR" sz="2000" b="0" dirty="0"/>
+              <a:t>"Η Κυριακή ξεκινά με το γράμμα «Δ</a:t>
+            </a:r>
+            <a:r>
+              <a:rPr lang="en" sz="2000" b="0" dirty="0"/>
+              <a:t>».</a:t>
+            </a:r>
+            <a:r>
+              <a:rPr lang="el-GR" sz="2000" b="0" dirty="0"/>
+              <a:t>"</a:t>
+            </a:r>
+          </a:p>
+          <a:p>
+            <a:endParaRPr lang="el-GR" sz="2000" b="0" dirty="0"/>
+          </a:p>
+          <a:p>
+            <a:r>
+              <a:rPr lang="el-GR" sz="2000" b="0" dirty="0"/>
+              <a:t>Αυτή είναι μια δυαδική έκφραση;</a:t>
+            </a:r>
+          </a:p>
+          <a:p>
+            <a:endParaRPr lang="el-GR" sz="2000" b="0" dirty="0"/>
+          </a:p>
+          <a:p>
+            <a:r>
+              <a:rPr lang="el-GR" sz="2000" b="0" dirty="0" err="1"/>
+              <a:t>Ναί</a:t>
+            </a:r>
+            <a:r>
+              <a:rPr lang="el-GR" sz="2000" b="0" dirty="0"/>
+              <a:t>! Αυτή η έκφραση μπορεί να είναι μόνο </a:t>
+            </a:r>
+            <a:r>
+              <a:rPr lang="en" sz="2000" b="0" dirty="0"/>
+              <a:t>True </a:t>
+            </a:r>
+            <a:r>
+              <a:rPr lang="el-GR" sz="2000" b="0" dirty="0"/>
+              <a:t>ή </a:t>
+            </a:r>
+            <a:r>
+              <a:rPr lang="en" sz="2000" b="0" dirty="0"/>
+              <a:t>False, </a:t>
+            </a:r>
+            <a:r>
+              <a:rPr lang="el-GR" sz="2000" b="0" dirty="0"/>
+              <a:t>γεγονός που την καθιστά δυαδική</a:t>
+            </a:r>
+            <a:r>
+              <a:rPr lang="en" sz="2000" b="0" dirty="0"/>
+              <a:t> </a:t>
+            </a:r>
+            <a:r>
+              <a:rPr lang="el-GR" sz="2000" b="0" dirty="0"/>
+              <a:t>έκφραση. Παρόλο που η ίδια η δήλωση είναι ψευδής, εξακολουθεί να είναι μια δυαδική έκφραση</a:t>
+            </a:r>
+            <a:endParaRPr lang="en" sz="2000" b="0" dirty="0"/>
           </a:p>
         </p:txBody>
       </p:sp>
@@ -813,7 +1152,7 @@
           <a:p>
             <a:fld id="{AC59836D-E7F2-9A44-B34C-9A96A5901769}" type="datetimeFigureOut">
               <a:rPr lang="el-GR" smtClean="0"/>
-              <a:t>22/10/20</a:t>
+              <a:t>29/10/20</a:t>
             </a:fld>
             <a:endParaRPr lang="el-GR"/>
           </a:p>
@@ -1024,7 +1363,7 @@
           <a:p>
             <a:fld id="{AC59836D-E7F2-9A44-B34C-9A96A5901769}" type="datetimeFigureOut">
               <a:rPr lang="el-GR" smtClean="0"/>
-              <a:t>22/10/20</a:t>
+              <a:t>29/10/20</a:t>
             </a:fld>
             <a:endParaRPr lang="el-GR"/>
           </a:p>
@@ -1239,7 +1578,7 @@
           <a:p>
             <a:fld id="{AC59836D-E7F2-9A44-B34C-9A96A5901769}" type="datetimeFigureOut">
               <a:rPr lang="el-GR" smtClean="0"/>
-              <a:t>22/10/20</a:t>
+              <a:t>29/10/20</a:t>
             </a:fld>
             <a:endParaRPr lang="el-GR"/>
           </a:p>
@@ -2174,7 +2513,7 @@
           <a:p>
             <a:fld id="{AC59836D-E7F2-9A44-B34C-9A96A5901769}" type="datetimeFigureOut">
               <a:rPr lang="el-GR" smtClean="0"/>
-              <a:t>22/10/20</a:t>
+              <a:t>29/10/20</a:t>
             </a:fld>
             <a:endParaRPr lang="el-GR"/>
           </a:p>
@@ -2453,7 +2792,7 @@
           <a:p>
             <a:fld id="{AC59836D-E7F2-9A44-B34C-9A96A5901769}" type="datetimeFigureOut">
               <a:rPr lang="el-GR" smtClean="0"/>
-              <a:t>22/10/20</a:t>
+              <a:t>29/10/20</a:t>
             </a:fld>
             <a:endParaRPr lang="el-GR"/>
           </a:p>
@@ -2721,7 +3060,7 @@
           <a:p>
             <a:fld id="{AC59836D-E7F2-9A44-B34C-9A96A5901769}" type="datetimeFigureOut">
               <a:rPr lang="el-GR" smtClean="0"/>
-              <a:t>22/10/20</a:t>
+              <a:t>29/10/20</a:t>
             </a:fld>
             <a:endParaRPr lang="el-GR"/>
           </a:p>
@@ -3137,7 +3476,7 @@
           <a:p>
             <a:fld id="{AC59836D-E7F2-9A44-B34C-9A96A5901769}" type="datetimeFigureOut">
               <a:rPr lang="el-GR" smtClean="0"/>
-              <a:t>22/10/20</a:t>
+              <a:t>29/10/20</a:t>
             </a:fld>
             <a:endParaRPr lang="el-GR"/>
           </a:p>
@@ -3286,7 +3625,7 @@
           <a:p>
             <a:fld id="{AC59836D-E7F2-9A44-B34C-9A96A5901769}" type="datetimeFigureOut">
               <a:rPr lang="el-GR" smtClean="0"/>
-              <a:t>22/10/20</a:t>
+              <a:t>29/10/20</a:t>
             </a:fld>
             <a:endParaRPr lang="el-GR"/>
           </a:p>
@@ -3412,7 +3751,7 @@
           <a:p>
             <a:fld id="{AC59836D-E7F2-9A44-B34C-9A96A5901769}" type="datetimeFigureOut">
               <a:rPr lang="el-GR" smtClean="0"/>
-              <a:t>22/10/20</a:t>
+              <a:t>29/10/20</a:t>
             </a:fld>
             <a:endParaRPr lang="el-GR"/>
           </a:p>
@@ -3663,7 +4002,7 @@
           <a:p>
             <a:fld id="{AC59836D-E7F2-9A44-B34C-9A96A5901769}" type="datetimeFigureOut">
               <a:rPr lang="el-GR" smtClean="0"/>
-              <a:t>22/10/20</a:t>
+              <a:t>29/10/20</a:t>
             </a:fld>
             <a:endParaRPr lang="el-GR"/>
           </a:p>
@@ -4108,7 +4447,7 @@
           <a:p>
             <a:fld id="{AC59836D-E7F2-9A44-B34C-9A96A5901769}" type="datetimeFigureOut">
               <a:rPr lang="el-GR" smtClean="0"/>
-              <a:t>22/10/20</a:t>
+              <a:t>29/10/20</a:t>
             </a:fld>
             <a:endParaRPr lang="el-GR"/>
           </a:p>
@@ -4440,7 +4779,7 @@
           <a:p>
             <a:fld id="{AC59836D-E7F2-9A44-B34C-9A96A5901769}" type="datetimeFigureOut">
               <a:rPr lang="el-GR" smtClean="0"/>
-              <a:t>22/10/20</a:t>
+              <a:t>29/10/20</a:t>
             </a:fld>
             <a:endParaRPr lang="el-GR"/>
           </a:p>
@@ -4950,7 +5289,7 @@
           </a:prstGeom>
           <a:extLst>
             <a:ext uri="{C572A759-6A51-4108-AA02-DFA0A04FC94B}">
-              <ma14:wrappingTextBoxFlag xmlns:ma14="http://schemas.microsoft.com/office/mac/drawingml/2011/main" xmlns:a14="http://schemas.microsoft.com/office/drawing/2010/main" xmlns:m="http://schemas.openxmlformats.org/officeDocument/2006/math" xmlns="" val="1"/>
+              <ma14:wrappingTextBoxFlag xmlns="" xmlns:m="http://schemas.openxmlformats.org/officeDocument/2006/math" xmlns:a14="http://schemas.microsoft.com/office/drawing/2010/main" xmlns:ma14="http://schemas.microsoft.com/office/mac/drawingml/2011/main" val="1"/>
             </a:ext>
           </a:extLst>
         </p:spPr>
@@ -5064,7 +5403,7 @@
       </p:grpSpPr>
       <p:sp>
         <p:nvSpPr>
-          <p:cNvPr id="72" name="Rectangle 71">
+          <p:cNvPr id="136" name="Rectangle 135">
             <a:extLst>
               <a:ext uri="{FF2B5EF4-FFF2-40B4-BE49-F238E27FC236}">
                 <a16:creationId xmlns:a16="http://schemas.microsoft.com/office/drawing/2014/main" id="{6738F172-08B9-4BA5-B753-7D93472C0B11}"/>
@@ -5130,7 +5469,7 @@
       </p:sp>
       <p:pic>
         <p:nvPicPr>
-          <p:cNvPr id="74" name="Picture 73">
+          <p:cNvPr id="138" name="Picture 137">
             <a:extLst>
               <a:ext uri="{FF2B5EF4-FFF2-40B4-BE49-F238E27FC236}">
                 <a16:creationId xmlns:a16="http://schemas.microsoft.com/office/drawing/2014/main" id="{C900681B-C4FD-40B3-B5BC-C33231614C91}"/>
@@ -5174,7 +5513,7 @@
       </p:pic>
       <p:cxnSp>
         <p:nvCxnSpPr>
-          <p:cNvPr id="76" name="Straight Connector 75">
+          <p:cNvPr id="140" name="Straight Connector 139">
             <a:extLst>
               <a:ext uri="{FF2B5EF4-FFF2-40B4-BE49-F238E27FC236}">
                 <a16:creationId xmlns:a16="http://schemas.microsoft.com/office/drawing/2014/main" id="{FEAACD67-2FB5-4530-9B74-8D946F1CE9E3}"/>
@@ -5226,6 +5565,175 @@
           </a:fontRef>
         </p:style>
       </p:cxnSp>
+      <p:sp>
+        <p:nvSpPr>
+          <p:cNvPr id="142" name="Rectangle 141">
+            <a:extLst>
+              <a:ext uri="{FF2B5EF4-FFF2-40B4-BE49-F238E27FC236}">
+                <a16:creationId xmlns:a16="http://schemas.microsoft.com/office/drawing/2014/main" id="{07DE5115-89C8-4B9C-B0E8-78A15C20CC50}"/>
+              </a:ext>
+              <a:ext uri="{C183D7F6-B498-43B3-948B-1728B52AA6E4}">
+                <adec:decorative xmlns:adec="http://schemas.microsoft.com/office/drawing/2017/decorative" val="1"/>
+              </a:ext>
+            </a:extLst>
+          </p:cNvPr>
+          <p:cNvSpPr>
+            <a:spLocks noGrp="1" noRot="1" noChangeAspect="1" noMove="1" noResize="1" noEditPoints="1" noAdjustHandles="1" noChangeArrowheads="1" noChangeShapeType="1" noTextEdit="1"/>
+          </p:cNvSpPr>
+          <p:nvPr>
+            <p:extLst>
+              <p:ext uri="{386F3935-93C4-4BCD-93E2-E3B085C9AB24}">
+                <p16:designElem xmlns:p16="http://schemas.microsoft.com/office/powerpoint/2015/main" val="1"/>
+              </p:ext>
+            </p:extLst>
+          </p:nvPr>
+        </p:nvSpPr>
+        <p:spPr>
+          <a:xfrm>
+            <a:off x="3112170" y="1066800"/>
+            <a:ext cx="18159664" cy="10154652"/>
+          </a:xfrm>
+          <a:prstGeom prst="rect">
+            <a:avLst/>
+          </a:prstGeom>
+          <a:gradFill>
+            <a:gsLst>
+              <a:gs pos="0">
+                <a:srgbClr val="000001"/>
+              </a:gs>
+              <a:gs pos="100000">
+                <a:srgbClr val="191919"/>
+              </a:gs>
+            </a:gsLst>
+          </a:gradFill>
+          <a:ln w="76200" cmpd="sng">
+            <a:noFill/>
+            <a:miter lim="800000"/>
+          </a:ln>
+          <a:effectLst>
+            <a:outerShdw blurRad="127000" dist="228600" dir="4740000" sx="98000" sy="98000" algn="tl" rotWithShape="0">
+              <a:srgbClr val="000000">
+                <a:alpha val="34000"/>
+              </a:srgbClr>
+            </a:outerShdw>
+          </a:effectLst>
+          <a:scene3d>
+            <a:camera prst="orthographicFront"/>
+            <a:lightRig rig="threePt" dir="t"/>
+          </a:scene3d>
+          <a:sp3d>
+            <a:bevelT w="152400" h="50800" prst="softRound"/>
+          </a:sp3d>
+        </p:spPr>
+        <p:style>
+          <a:lnRef idx="1">
+            <a:schemeClr val="accent1"/>
+          </a:lnRef>
+          <a:fillRef idx="3">
+            <a:schemeClr val="accent1"/>
+          </a:fillRef>
+          <a:effectRef idx="2">
+            <a:schemeClr val="accent1"/>
+          </a:effectRef>
+          <a:fontRef idx="minor">
+            <a:schemeClr val="lt1"/>
+          </a:fontRef>
+        </p:style>
+        <p:txBody>
+          <a:bodyPr rtlCol="0" anchor="ctr"/>
+          <a:lstStyle/>
+          <a:p>
+            <a:pPr algn="ctr"/>
+            <a:endParaRPr lang="en-US"/>
+          </a:p>
+        </p:txBody>
+      </p:sp>
+      <p:sp>
+        <p:nvSpPr>
+          <p:cNvPr id="144" name="Rectangle 143">
+            <a:extLst>
+              <a:ext uri="{FF2B5EF4-FFF2-40B4-BE49-F238E27FC236}">
+                <a16:creationId xmlns:a16="http://schemas.microsoft.com/office/drawing/2014/main" id="{4A6402E2-72CC-4683-9B83-11265402E5CE}"/>
+              </a:ext>
+              <a:ext uri="{C183D7F6-B498-43B3-948B-1728B52AA6E4}">
+                <adec:decorative xmlns:adec="http://schemas.microsoft.com/office/drawing/2017/decorative" val="1"/>
+              </a:ext>
+            </a:extLst>
+          </p:cNvPr>
+          <p:cNvSpPr>
+            <a:spLocks noGrp="1" noRot="1" noChangeAspect="1" noMove="1" noResize="1" noEditPoints="1" noAdjustHandles="1" noChangeArrowheads="1" noChangeShapeType="1" noTextEdit="1"/>
+          </p:cNvSpPr>
+          <p:nvPr>
+            <p:extLst>
+              <p:ext uri="{386F3935-93C4-4BCD-93E2-E3B085C9AB24}">
+                <p16:designElem xmlns:p16="http://schemas.microsoft.com/office/powerpoint/2015/main" val="1"/>
+              </p:ext>
+            </p:extLst>
+          </p:nvPr>
+        </p:nvSpPr>
+        <p:spPr>
+          <a:xfrm>
+            <a:off x="3569210" y="1526406"/>
+            <a:ext cx="17245584" cy="9235440"/>
+          </a:xfrm>
+          <a:prstGeom prst="rect">
+            <a:avLst/>
+          </a:prstGeom>
+          <a:gradFill>
+            <a:gsLst>
+              <a:gs pos="0">
+                <a:srgbClr val="DADADA"/>
+              </a:gs>
+              <a:gs pos="100000">
+                <a:srgbClr val="FFFFFE"/>
+              </a:gs>
+            </a:gsLst>
+            <a:lin ang="16200000" scaled="0"/>
+          </a:gradFill>
+          <a:ln w="50800" cmpd="sng">
+            <a:solidFill>
+              <a:srgbClr val="191919"/>
+            </a:solidFill>
+            <a:miter lim="800000"/>
+          </a:ln>
+          <a:effectLst>
+            <a:innerShdw blurRad="63500" dist="88900" dir="14100000">
+              <a:srgbClr val="000000">
+                <a:alpha val="30000"/>
+              </a:srgbClr>
+            </a:innerShdw>
+          </a:effectLst>
+          <a:scene3d>
+            <a:camera prst="orthographicFront"/>
+            <a:lightRig rig="threePt" dir="t"/>
+          </a:scene3d>
+          <a:sp3d>
+            <a:bevelT prst="relaxedInset"/>
+          </a:sp3d>
+        </p:spPr>
+        <p:style>
+          <a:lnRef idx="1">
+            <a:schemeClr val="accent1"/>
+          </a:lnRef>
+          <a:fillRef idx="3">
+            <a:schemeClr val="accent1"/>
+          </a:fillRef>
+          <a:effectRef idx="2">
+            <a:schemeClr val="accent1"/>
+          </a:effectRef>
+          <a:fontRef idx="minor">
+            <a:schemeClr val="lt1"/>
+          </a:fontRef>
+        </p:style>
+        <p:txBody>
+          <a:bodyPr rtlCol="0" anchor="ctr"/>
+          <a:lstStyle/>
+          <a:p>
+            <a:pPr algn="ctr"/>
+            <a:endParaRPr lang="en-US"/>
+          </a:p>
+        </p:txBody>
+      </p:sp>
       <p:pic>
         <p:nvPicPr>
           <p:cNvPr id="4098" name="Picture 2" descr="How to Deal With Big Changes at Work: New Boss, Promotion, Merger,  Acquisition, Office Move">
@@ -5248,13 +5756,13 @@
               </a:ext>
             </a:extLst>
           </a:blip>
-          <a:srcRect l="9003" r="5219"/>
+          <a:srcRect r="1" b="1202"/>
           <a:stretch/>
         </p:blipFill>
         <p:spPr bwMode="auto">
           <a:xfrm>
-            <a:off x="20" y="10"/>
-            <a:ext cx="24383980" cy="13715990"/>
+            <a:off x="4538474" y="2495670"/>
+            <a:ext cx="15307056" cy="7296912"/>
           </a:xfrm>
           <a:prstGeom prst="rect">
             <a:avLst/>
@@ -5271,62 +5779,6 @@
           </a:extLst>
         </p:spPr>
       </p:pic>
-      <p:sp>
-        <p:nvSpPr>
-          <p:cNvPr id="154" name="Αριθμός σλάιντ"/>
-          <p:cNvSpPr txBox="1">
-            <a:spLocks noGrp="1"/>
-          </p:cNvSpPr>
-          <p:nvPr>
-            <p:ph type="sldNum" sz="quarter" idx="2"/>
-          </p:nvPr>
-        </p:nvSpPr>
-        <p:spPr>
-          <a:xfrm>
-            <a:off x="960120" y="464236"/>
-            <a:ext cx="1622038" cy="1007156"/>
-          </a:xfrm>
-          <a:prstGeom prst="rect">
-            <a:avLst/>
-          </a:prstGeom>
-          <a:extLst>
-            <a:ext uri="{C572A759-6A51-4108-AA02-DFA0A04FC94B}">
-              <ma14:wrappingTextBoxFlag xmlns="" xmlns:m="http://schemas.openxmlformats.org/officeDocument/2006/math" xmlns:a14="http://schemas.microsoft.com/office/drawing/2010/main" xmlns:ma14="http://schemas.microsoft.com/office/mac/drawingml/2011/main" val="1"/>
-            </a:ext>
-          </a:extLst>
-        </p:spPr>
-        <p:txBody>
-          <a:bodyPr vert="horz" lIns="91440" tIns="45720" rIns="91440" bIns="45720" rtlCol="0" anchor="t">
-            <a:normAutofit/>
-          </a:bodyPr>
-          <a:lstStyle/>
-          <a:p>
-            <a:pPr>
-              <a:spcAft>
-                <a:spcPts val="600"/>
-              </a:spcAft>
-            </a:pPr>
-            <a:fld id="{86CB4B4D-7CA3-9044-876B-883B54F8677D}" type="slidenum">
-              <a:rPr lang="en-US" sz="2800">
-                <a:solidFill>
-                  <a:srgbClr val="FFFFFF"/>
-                </a:solidFill>
-              </a:rPr>
-              <a:pPr>
-                <a:spcAft>
-                  <a:spcPts val="600"/>
-                </a:spcAft>
-              </a:pPr>
-              <a:t>2</a:t>
-            </a:fld>
-            <a:endParaRPr lang="en-US" sz="2800">
-              <a:solidFill>
-                <a:srgbClr val="FFFFFF"/>
-              </a:solidFill>
-            </a:endParaRPr>
-          </a:p>
-        </p:txBody>
-      </p:sp>
     </p:spTree>
   </p:cSld>
   <p:clrMapOvr>
@@ -5507,7 +5959,7 @@
           </a:prstGeom>
           <a:extLst>
             <a:ext uri="{C572A759-6A51-4108-AA02-DFA0A04FC94B}">
-              <ma14:wrappingTextBoxFlag xmlns:ma14="http://schemas.microsoft.com/office/mac/drawingml/2011/main" xmlns:a14="http://schemas.microsoft.com/office/drawing/2010/main" xmlns:m="http://schemas.openxmlformats.org/officeDocument/2006/math" xmlns="" val="1"/>
+              <ma14:wrappingTextBoxFlag xmlns="" xmlns:m="http://schemas.openxmlformats.org/officeDocument/2006/math" xmlns:a14="http://schemas.microsoft.com/office/drawing/2010/main" xmlns:ma14="http://schemas.microsoft.com/office/mac/drawingml/2011/main" val="1"/>
             </a:ext>
           </a:extLst>
         </p:spPr>
@@ -6626,7 +7078,7 @@
           </a:prstGeom>
           <a:extLst>
             <a:ext uri="{C572A759-6A51-4108-AA02-DFA0A04FC94B}">
-              <ma14:wrappingTextBoxFlag xmlns:ma14="http://schemas.microsoft.com/office/mac/drawingml/2011/main" xmlns:a14="http://schemas.microsoft.com/office/drawing/2010/main" xmlns:m="http://schemas.openxmlformats.org/officeDocument/2006/math" xmlns="" val="1"/>
+              <ma14:wrappingTextBoxFlag xmlns="" xmlns:m="http://schemas.openxmlformats.org/officeDocument/2006/math" xmlns:a14="http://schemas.microsoft.com/office/drawing/2010/main" xmlns:ma14="http://schemas.microsoft.com/office/mac/drawingml/2011/main" val="1"/>
             </a:ext>
           </a:extLst>
         </p:spPr>
